--- a/docs/Exit.pptx
+++ b/docs/Exit.pptx
@@ -216,7 +216,7 @@
           <a:p>
             <a:fld id="{9629A0FB-7277-41B0-BEC2-EE35F8B0CE39}" type="datetimeFigureOut">
               <a:rPr lang="en-SG" smtClean="0"/>
-              <a:t>24/3/2020</a:t>
+              <a:t>25/3/2020</a:t>
             </a:fld>
             <a:endParaRPr lang="en-SG"/>
           </a:p>
@@ -5074,9 +5074,9 @@
               <p:nvPr/>
             </p:nvSpPr>
             <p:spPr bwMode="auto">
-              <a:xfrm flipH="1" flipV="1">
-                <a:off x="838799" y="4936112"/>
-                <a:ext cx="5106116" cy="1"/>
+              <a:xfrm flipH="1">
+                <a:off x="1030975" y="4943960"/>
+                <a:ext cx="4721764" cy="18078"/>
               </a:xfrm>
               <a:prstGeom prst="line">
                 <a:avLst/>
